--- a/src/test/sample/simple_result_expected.pptx
+++ b/src/test/sample/simple_result_expected.pptx
@@ -244,7 +244,7 @@
           <a:p>
             <a:fld id="{E561863E-F42E-421B-92D9-01C724A06B9F}" type="datetimeFigureOut">
               <a:rPr lang="en-US" smtClean="0"/>
-              <a:t>12/22/2022</a:t>
+              <a:t>12/27/2022</a:t>
             </a:fld>
             <a:endParaRPr lang="en-US"/>
           </a:p>
@@ -414,7 +414,7 @@
           <a:p>
             <a:fld id="{E561863E-F42E-421B-92D9-01C724A06B9F}" type="datetimeFigureOut">
               <a:rPr lang="en-US" smtClean="0"/>
-              <a:t>12/22/2022</a:t>
+              <a:t>12/27/2022</a:t>
             </a:fld>
             <a:endParaRPr lang="en-US"/>
           </a:p>
@@ -594,7 +594,7 @@
           <a:p>
             <a:fld id="{E561863E-F42E-421B-92D9-01C724A06B9F}" type="datetimeFigureOut">
               <a:rPr lang="en-US" smtClean="0"/>
-              <a:t>12/22/2022</a:t>
+              <a:t>12/27/2022</a:t>
             </a:fld>
             <a:endParaRPr lang="en-US"/>
           </a:p>
@@ -764,7 +764,7 @@
           <a:p>
             <a:fld id="{E561863E-F42E-421B-92D9-01C724A06B9F}" type="datetimeFigureOut">
               <a:rPr lang="en-US" smtClean="0"/>
-              <a:t>12/22/2022</a:t>
+              <a:t>12/27/2022</a:t>
             </a:fld>
             <a:endParaRPr lang="en-US"/>
           </a:p>
@@ -1010,7 +1010,7 @@
           <a:p>
             <a:fld id="{E561863E-F42E-421B-92D9-01C724A06B9F}" type="datetimeFigureOut">
               <a:rPr lang="en-US" smtClean="0"/>
-              <a:t>12/22/2022</a:t>
+              <a:t>12/27/2022</a:t>
             </a:fld>
             <a:endParaRPr lang="en-US"/>
           </a:p>
@@ -1242,7 +1242,7 @@
           <a:p>
             <a:fld id="{E561863E-F42E-421B-92D9-01C724A06B9F}" type="datetimeFigureOut">
               <a:rPr lang="en-US" smtClean="0"/>
-              <a:t>12/22/2022</a:t>
+              <a:t>12/27/2022</a:t>
             </a:fld>
             <a:endParaRPr lang="en-US"/>
           </a:p>
@@ -1609,7 +1609,7 @@
           <a:p>
             <a:fld id="{E561863E-F42E-421B-92D9-01C724A06B9F}" type="datetimeFigureOut">
               <a:rPr lang="en-US" smtClean="0"/>
-              <a:t>12/22/2022</a:t>
+              <a:t>12/27/2022</a:t>
             </a:fld>
             <a:endParaRPr lang="en-US"/>
           </a:p>
@@ -1727,7 +1727,7 @@
           <a:p>
             <a:fld id="{E561863E-F42E-421B-92D9-01C724A06B9F}" type="datetimeFigureOut">
               <a:rPr lang="en-US" smtClean="0"/>
-              <a:t>12/22/2022</a:t>
+              <a:t>12/27/2022</a:t>
             </a:fld>
             <a:endParaRPr lang="en-US"/>
           </a:p>
@@ -1822,7 +1822,7 @@
           <a:p>
             <a:fld id="{E561863E-F42E-421B-92D9-01C724A06B9F}" type="datetimeFigureOut">
               <a:rPr lang="en-US" smtClean="0"/>
-              <a:t>12/22/2022</a:t>
+              <a:t>12/27/2022</a:t>
             </a:fld>
             <a:endParaRPr lang="en-US"/>
           </a:p>
@@ -2099,7 +2099,7 @@
           <a:p>
             <a:fld id="{E561863E-F42E-421B-92D9-01C724A06B9F}" type="datetimeFigureOut">
               <a:rPr lang="en-US" smtClean="0"/>
-              <a:t>12/22/2022</a:t>
+              <a:t>12/27/2022</a:t>
             </a:fld>
             <a:endParaRPr lang="en-US"/>
           </a:p>
@@ -2352,7 +2352,7 @@
           <a:p>
             <a:fld id="{E561863E-F42E-421B-92D9-01C724A06B9F}" type="datetimeFigureOut">
               <a:rPr lang="en-US" smtClean="0"/>
-              <a:t>12/22/2022</a:t>
+              <a:t>12/27/2022</a:t>
             </a:fld>
             <a:endParaRPr lang="en-US"/>
           </a:p>
@@ -2565,7 +2565,7 @@
           <a:p>
             <a:fld id="{E561863E-F42E-421B-92D9-01C724A06B9F}" type="datetimeFigureOut">
               <a:rPr lang="en-US" smtClean="0"/>
-              <a:t>12/22/2022</a:t>
+              <a:t>12/27/2022</a:t>
             </a:fld>
             <a:endParaRPr lang="en-US"/>
           </a:p>
@@ -2992,7 +2992,7 @@
           <a:p>
             <a:r>
               <a:rPr lang="en-US" b="1" dirty="0" err="1" smtClean="0"/>
-              <a:t>MyProject</a:t>
+              <a:t>Reportwine</a:t>
             </a:r>
             <a:r>
               <a:rPr lang="en-US" b="1" dirty="0"/>
@@ -3078,9 +3078,24 @@
             </a:pPr>
             <a:r>
               <a:rPr lang="en-US" dirty="0" smtClean="0"/>
-              <a:t>The goal of work is to reduce time spent on report creation.</a:t>
-            </a:r>
-            <a:endParaRPr lang="en-US" dirty="0" smtClean="0"/>
+              <a:t>The goal of </a:t>
+            </a:r>
+            <a:r>
+              <a:rPr lang="en-US" dirty="0" smtClean="0"/>
+              <a:t>the work </a:t>
+            </a:r>
+            <a:r>
+              <a:rPr lang="en-US" dirty="0" smtClean="0"/>
+              <a:t>is to reduce time spent on </a:t>
+            </a:r>
+            <a:r>
+              <a:rPr lang="en-US" dirty="0" smtClean="0"/>
+              <a:t>a report </a:t>
+            </a:r>
+            <a:r>
+              <a:rPr lang="en-US" dirty="0" smtClean="0"/>
+              <a:t>creation.</a:t>
+            </a:r>
           </a:p>
           <a:p>
             <a:pPr marL="0" indent="0">
@@ -3123,16 +3138,18 @@
             </a:pPr>
             <a:r>
               <a:rPr lang="en-US" dirty="0"/>
-              <a:t>t</a:t>
-            </a:r>
-            <a:r>
-              <a:rPr lang="en-US" smtClean="0"/>
-              <a:t>est </a:t>
+              <a:t>e</a:t>
             </a:r>
             <a:r>
               <a:rPr lang="en-US" dirty="0" smtClean="0"/>
-              <a:t>project</a:t>
-            </a:r>
+              <a:t>valuate the results</a:t>
+            </a:r>
+          </a:p>
+          <a:p>
+            <a:pPr marL="514350" indent="-514350">
+              <a:buFont typeface="+mj-lt"/>
+              <a:buAutoNum type="arabicPeriod"/>
+            </a:pPr>
             <a:endParaRPr lang="en-US" dirty="0" smtClean="0"/>
           </a:p>
         </p:txBody>
